--- a/튜토리얼_프로젝트_최종발표.pptx
+++ b/튜토리얼_프로젝트_최종발표.pptx
@@ -3433,7 +3433,7 @@
           <a:p>
             <a:fld id="{921DEB97-31E0-489A-9E0D-D26CF0181411}" type="datetimeFigureOut">
               <a:rPr lang="ko-KR" altLang="en-US" smtClean="0"/>
-              <a:t>2020-03-09</a:t>
+              <a:t>2020-04-02</a:t>
             </a:fld>
             <a:endParaRPr lang="ko-KR" altLang="en-US"/>
           </a:p>
@@ -3631,7 +3631,7 @@
           <a:p>
             <a:fld id="{921DEB97-31E0-489A-9E0D-D26CF0181411}" type="datetimeFigureOut">
               <a:rPr lang="ko-KR" altLang="en-US" smtClean="0"/>
-              <a:t>2020-03-09</a:t>
+              <a:t>2020-04-02</a:t>
             </a:fld>
             <a:endParaRPr lang="ko-KR" altLang="en-US"/>
           </a:p>
@@ -3839,7 +3839,7 @@
           <a:p>
             <a:fld id="{921DEB97-31E0-489A-9E0D-D26CF0181411}" type="datetimeFigureOut">
               <a:rPr lang="ko-KR" altLang="en-US" smtClean="0"/>
-              <a:t>2020-03-09</a:t>
+              <a:t>2020-04-02</a:t>
             </a:fld>
             <a:endParaRPr lang="ko-KR" altLang="en-US"/>
           </a:p>
@@ -4037,7 +4037,7 @@
           <a:p>
             <a:fld id="{921DEB97-31E0-489A-9E0D-D26CF0181411}" type="datetimeFigureOut">
               <a:rPr lang="ko-KR" altLang="en-US" smtClean="0"/>
-              <a:t>2020-03-09</a:t>
+              <a:t>2020-04-02</a:t>
             </a:fld>
             <a:endParaRPr lang="ko-KR" altLang="en-US"/>
           </a:p>
@@ -4312,7 +4312,7 @@
           <a:p>
             <a:fld id="{921DEB97-31E0-489A-9E0D-D26CF0181411}" type="datetimeFigureOut">
               <a:rPr lang="ko-KR" altLang="en-US" smtClean="0"/>
-              <a:t>2020-03-09</a:t>
+              <a:t>2020-04-02</a:t>
             </a:fld>
             <a:endParaRPr lang="ko-KR" altLang="en-US"/>
           </a:p>
@@ -4577,7 +4577,7 @@
           <a:p>
             <a:fld id="{921DEB97-31E0-489A-9E0D-D26CF0181411}" type="datetimeFigureOut">
               <a:rPr lang="ko-KR" altLang="en-US" smtClean="0"/>
-              <a:t>2020-03-09</a:t>
+              <a:t>2020-04-02</a:t>
             </a:fld>
             <a:endParaRPr lang="ko-KR" altLang="en-US"/>
           </a:p>
@@ -4989,7 +4989,7 @@
           <a:p>
             <a:fld id="{921DEB97-31E0-489A-9E0D-D26CF0181411}" type="datetimeFigureOut">
               <a:rPr lang="ko-KR" altLang="en-US" smtClean="0"/>
-              <a:t>2020-03-09</a:t>
+              <a:t>2020-04-02</a:t>
             </a:fld>
             <a:endParaRPr lang="ko-KR" altLang="en-US"/>
           </a:p>
@@ -5130,7 +5130,7 @@
           <a:p>
             <a:fld id="{921DEB97-31E0-489A-9E0D-D26CF0181411}" type="datetimeFigureOut">
               <a:rPr lang="ko-KR" altLang="en-US" smtClean="0"/>
-              <a:t>2020-03-09</a:t>
+              <a:t>2020-04-02</a:t>
             </a:fld>
             <a:endParaRPr lang="ko-KR" altLang="en-US"/>
           </a:p>
@@ -5243,7 +5243,7 @@
           <a:p>
             <a:fld id="{921DEB97-31E0-489A-9E0D-D26CF0181411}" type="datetimeFigureOut">
               <a:rPr lang="ko-KR" altLang="en-US" smtClean="0"/>
-              <a:t>2020-03-09</a:t>
+              <a:t>2020-04-02</a:t>
             </a:fld>
             <a:endParaRPr lang="ko-KR" altLang="en-US"/>
           </a:p>
@@ -5554,7 +5554,7 @@
           <a:p>
             <a:fld id="{921DEB97-31E0-489A-9E0D-D26CF0181411}" type="datetimeFigureOut">
               <a:rPr lang="ko-KR" altLang="en-US" smtClean="0"/>
-              <a:t>2020-03-09</a:t>
+              <a:t>2020-04-02</a:t>
             </a:fld>
             <a:endParaRPr lang="ko-KR" altLang="en-US"/>
           </a:p>
@@ -5842,7 +5842,7 @@
           <a:p>
             <a:fld id="{921DEB97-31E0-489A-9E0D-D26CF0181411}" type="datetimeFigureOut">
               <a:rPr lang="ko-KR" altLang="en-US" smtClean="0"/>
-              <a:t>2020-03-09</a:t>
+              <a:t>2020-04-02</a:t>
             </a:fld>
             <a:endParaRPr lang="ko-KR" altLang="en-US"/>
           </a:p>
@@ -6083,7 +6083,7 @@
           <a:p>
             <a:fld id="{921DEB97-31E0-489A-9E0D-D26CF0181411}" type="datetimeFigureOut">
               <a:rPr lang="ko-KR" altLang="en-US" smtClean="0"/>
-              <a:t>2020-03-09</a:t>
+              <a:t>2020-04-02</a:t>
             </a:fld>
             <a:endParaRPr lang="ko-KR" altLang="en-US"/>
           </a:p>
@@ -6708,7 +6708,7 @@
         </p:nvSpPr>
         <p:spPr>
           <a:xfrm>
-            <a:off x="5326912" y="3863697"/>
+            <a:off x="5326912" y="4050774"/>
             <a:ext cx="6029936" cy="911117"/>
           </a:xfrm>
         </p:spPr>
@@ -6720,14 +6720,14 @@
           <a:p>
             <a:pPr algn="l"/>
             <a:r>
-              <a:rPr lang="en-US" altLang="ko-KR" sz="2000">
+              <a:rPr lang="en-US" altLang="ko-KR" sz="2000" dirty="0">
                 <a:solidFill>
                   <a:srgbClr val="FFFFFF"/>
                 </a:solidFill>
               </a:rPr>
               <a:t>CIEN</a:t>
             </a:r>
-            <a:endParaRPr lang="ko-KR" altLang="en-US" sz="2000">
+            <a:endParaRPr lang="ko-KR" altLang="en-US" sz="2000" dirty="0">
               <a:solidFill>
                 <a:srgbClr val="FFFFFF"/>
               </a:solidFill>
@@ -6753,13 +6753,13 @@
         </p:nvSpPr>
         <p:spPr>
           <a:xfrm>
-            <a:off x="4978589" y="1828800"/>
-            <a:ext cx="6378259" cy="2027941"/>
+            <a:off x="4978589" y="1980332"/>
+            <a:ext cx="7050654" cy="2027941"/>
           </a:xfrm>
         </p:spPr>
         <p:txBody>
           <a:bodyPr>
-            <a:normAutofit/>
+            <a:normAutofit fontScale="90000"/>
           </a:bodyPr>
           <a:lstStyle/>
           <a:p>
@@ -7053,14 +7053,14 @@
           <p:nvPr>
             <p:extLst>
               <p:ext uri="{D42A27DB-BD31-4B8C-83A1-F6EECF244321}">
-                <p14:modId xmlns:p14="http://schemas.microsoft.com/office/powerpoint/2010/main" val="2534586788"/>
+                <p14:modId xmlns:p14="http://schemas.microsoft.com/office/powerpoint/2010/main" val="82923939"/>
               </p:ext>
             </p:extLst>
           </p:nvPr>
         </p:nvGraphicFramePr>
         <p:xfrm>
-          <a:off x="4038600" y="1193535"/>
-          <a:ext cx="7188202" cy="4467546"/>
+          <a:off x="3737499" y="1193535"/>
+          <a:ext cx="7661429" cy="4467546"/>
         </p:xfrm>
         <a:graphic>
           <a:graphicData uri="http://schemas.openxmlformats.org/drawingml/2006/table">
@@ -7069,35 +7069,35 @@
                 <a:tableStyleId>{9D7B26C5-4107-4FEC-AEDC-1716B250A1EF}</a:tableStyleId>
               </a:tblPr>
               <a:tblGrid>
-                <a:gridCol w="1147303">
+                <a:gridCol w="1222834">
                   <a:extLst>
                     <a:ext uri="{9D8B030D-6E8A-4147-A177-3AD203B41FA5}">
                       <a16:colId xmlns:a16="http://schemas.microsoft.com/office/drawing/2014/main" val="327940855"/>
                     </a:ext>
                   </a:extLst>
                 </a:gridCol>
-                <a:gridCol w="1147303">
+                <a:gridCol w="1057579">
                   <a:extLst>
                     <a:ext uri="{9D8B030D-6E8A-4147-A177-3AD203B41FA5}">
                       <a16:colId xmlns:a16="http://schemas.microsoft.com/office/drawing/2014/main" val="4232411346"/>
                     </a:ext>
                   </a:extLst>
                 </a:gridCol>
-                <a:gridCol w="1856835">
+                <a:gridCol w="2115038">
                   <a:extLst>
                     <a:ext uri="{9D8B030D-6E8A-4147-A177-3AD203B41FA5}">
                       <a16:colId xmlns:a16="http://schemas.microsoft.com/office/drawing/2014/main" val="169260025"/>
                     </a:ext>
                   </a:extLst>
                 </a:gridCol>
-                <a:gridCol w="1147303">
+                <a:gridCol w="1252130">
                   <a:extLst>
                     <a:ext uri="{9D8B030D-6E8A-4147-A177-3AD203B41FA5}">
                       <a16:colId xmlns:a16="http://schemas.microsoft.com/office/drawing/2014/main" val="1941867666"/>
                     </a:ext>
                   </a:extLst>
                 </a:gridCol>
-                <a:gridCol w="1889458">
+                <a:gridCol w="2013848">
                   <a:extLst>
                     <a:ext uri="{9D8B030D-6E8A-4147-A177-3AD203B41FA5}">
                       <a16:colId xmlns:a16="http://schemas.microsoft.com/office/drawing/2014/main" val="668049190"/>
@@ -7142,9 +7142,10 @@
                     <a:p>
                       <a:pPr latinLnBrk="1"/>
                       <a:r>
-                        <a:rPr lang="ko-KR" altLang="en-US" sz="2100"/>
+                        <a:rPr lang="ko-KR" altLang="en-US" sz="2100" dirty="0" err="1"/>
                         <a:t>네모네모호섬미</a:t>
                       </a:r>
+                      <a:endParaRPr lang="ko-KR" altLang="en-US" sz="2100" dirty="0"/>
                     </a:p>
                   </a:txBody>
                   <a:tcPr marL="101445" marR="101445" marT="50724" marB="50724"/>
@@ -8003,8 +8004,37 @@
             </a:r>
             <a:r>
               <a:rPr lang="en-US" altLang="ko-KR" sz="2400" dirty="0"/>
-              <a:t>:</a:t>
-            </a:r>
+              <a:t>: 2020</a:t>
+            </a:r>
+            <a:r>
+              <a:rPr lang="ko-KR" altLang="en-US" sz="2400" dirty="0"/>
+              <a:t>년 </a:t>
+            </a:r>
+            <a:r>
+              <a:rPr lang="en-US" altLang="ko-KR" sz="2400" dirty="0"/>
+              <a:t>4</a:t>
+            </a:r>
+            <a:r>
+              <a:rPr lang="ko-KR" altLang="en-US" sz="2400" dirty="0"/>
+              <a:t>월 </a:t>
+            </a:r>
+            <a:r>
+              <a:rPr lang="en-US" altLang="ko-KR" sz="2400" dirty="0"/>
+              <a:t>3</a:t>
+            </a:r>
+            <a:r>
+              <a:rPr lang="ko-KR" altLang="en-US" sz="2400" dirty="0"/>
+              <a:t>일 </a:t>
+            </a:r>
+            <a:r>
+              <a:rPr lang="en-US" altLang="ko-KR" sz="2400" dirty="0"/>
+              <a:t>7</a:t>
+            </a:r>
+            <a:r>
+              <a:rPr lang="ko-KR" altLang="en-US" sz="2400" dirty="0"/>
+              <a:t>시</a:t>
+            </a:r>
+            <a:endParaRPr lang="en-US" altLang="ko-KR" sz="2400" dirty="0"/>
           </a:p>
           <a:p>
             <a:pPr marL="0" indent="0">
@@ -8016,7 +8046,23 @@
             </a:r>
             <a:r>
               <a:rPr lang="en-US" altLang="ko-KR" sz="2400" dirty="0"/>
-              <a:t>:</a:t>
+              <a:t>: </a:t>
+            </a:r>
+            <a:r>
+              <a:rPr lang="ko-KR" altLang="en-US" sz="2400" dirty="0"/>
+              <a:t>동방</a:t>
+            </a:r>
+            <a:r>
+              <a:rPr lang="en-US" altLang="ko-KR" sz="2400" dirty="0"/>
+              <a:t>(</a:t>
+            </a:r>
+            <a:r>
+              <a:rPr lang="ko-KR" altLang="en-US" sz="2400" dirty="0"/>
+              <a:t>유튜브 스트리밍</a:t>
+            </a:r>
+            <a:r>
+              <a:rPr lang="en-US" altLang="ko-KR" sz="2400" dirty="0"/>
+              <a:t>)</a:t>
             </a:r>
           </a:p>
           <a:p>
@@ -8035,6 +8081,19 @@
               <a:rPr lang="ko-KR" altLang="en-US" sz="2400" dirty="0"/>
               <a:t> </a:t>
             </a:r>
+            <a:r>
+              <a:rPr lang="ko-KR" altLang="en-US" sz="2400" dirty="0" err="1"/>
+              <a:t>냥냥</a:t>
+            </a:r>
+            <a:r>
+              <a:rPr lang="en-US" altLang="ko-KR" sz="2400" dirty="0"/>
+              <a:t>, </a:t>
+            </a:r>
+            <a:r>
+              <a:rPr lang="ko-KR" altLang="en-US" sz="2400" dirty="0" err="1"/>
+              <a:t>네모네모호섬미</a:t>
+            </a:r>
+            <a:endParaRPr lang="ko-KR" altLang="en-US" sz="2400" dirty="0"/>
           </a:p>
         </p:txBody>
       </p:sp>
@@ -8171,7 +8230,7 @@
           <a:p>
             <a:pPr latinLnBrk="0"/>
             <a:r>
-              <a:rPr lang="ko-KR" altLang="en-US" sz="5400" kern="1200">
+              <a:rPr lang="ko-KR" altLang="en-US" sz="5400" kern="1200" dirty="0">
                 <a:solidFill>
                   <a:schemeClr val="tx1">
                     <a:lumMod val="85000"/>
@@ -8182,7 +8241,7 @@
                 <a:ea typeface="+mj-ea"/>
                 <a:cs typeface="+mj-cs"/>
               </a:rPr>
-              <a:t>투표 및 시상</a:t>
+              <a:t>투표 및 시상 설명</a:t>
             </a:r>
           </a:p>
         </p:txBody>
@@ -8830,7 +8889,7 @@
             </a:pPr>
             <a:r>
               <a:rPr lang="en-US" altLang="ko-KR" sz="2400" dirty="0"/>
-              <a:t>2,3,4</a:t>
+              <a:t>2</a:t>
             </a:r>
             <a:r>
               <a:rPr lang="ko-KR" altLang="en-US" sz="2400" dirty="0"/>

--- a/튜토리얼_프로젝트_최종발표.pptx
+++ b/튜토리얼_프로젝트_최종발표.pptx
@@ -17,9 +17,8 @@
     <p:sldId id="270" r:id="rId11"/>
     <p:sldId id="266" r:id="rId12"/>
     <p:sldId id="271" r:id="rId13"/>
-    <p:sldId id="272" r:id="rId14"/>
-    <p:sldId id="273" r:id="rId15"/>
-    <p:sldId id="268" r:id="rId16"/>
+    <p:sldId id="273" r:id="rId14"/>
+    <p:sldId id="268" r:id="rId15"/>
   </p:sldIdLst>
   <p:sldSz cx="12192000" cy="6858000"/>
   <p:notesSz cx="6858000" cy="9144000"/>
@@ -1006,10 +1005,10 @@
         <a:lstStyle/>
         <a:p>
           <a:r>
-            <a:rPr lang="ko-KR"/>
+            <a:rPr lang="ko-KR" dirty="0"/>
             <a:t>완성된 게임 시연</a:t>
           </a:r>
-          <a:endParaRPr lang="en-US"/>
+          <a:endParaRPr lang="en-US" dirty="0"/>
         </a:p>
       </dgm:t>
     </dgm:pt>
@@ -1043,10 +1042,10 @@
         <a:lstStyle/>
         <a:p>
           <a:r>
-            <a:rPr lang="ko-KR"/>
-            <a:t>투표 및 시상</a:t>
+            <a:rPr lang="ko-KR" dirty="0"/>
+            <a:t>시상</a:t>
           </a:r>
-          <a:endParaRPr lang="en-US"/>
+          <a:endParaRPr lang="en-US" dirty="0"/>
         </a:p>
       </dgm:t>
     </dgm:pt>
@@ -1790,10 +1789,10 @@
             <a:buNone/>
           </a:pPr>
           <a:r>
-            <a:rPr lang="ko-KR" sz="2200" kern="1200"/>
+            <a:rPr lang="ko-KR" sz="2200" kern="1200" dirty="0"/>
             <a:t>완성된 게임 시연</a:t>
           </a:r>
-          <a:endParaRPr lang="en-US" sz="2200" kern="1200"/>
+          <a:endParaRPr lang="en-US" sz="2200" kern="1200" dirty="0"/>
         </a:p>
       </dsp:txBody>
       <dsp:txXfrm>
@@ -1943,10 +1942,10 @@
             <a:buNone/>
           </a:pPr>
           <a:r>
-            <a:rPr lang="ko-KR" sz="2200" kern="1200"/>
-            <a:t>투표 및 시상</a:t>
+            <a:rPr lang="ko-KR" sz="2200" kern="1200" dirty="0"/>
+            <a:t>시상</a:t>
           </a:r>
-          <a:endParaRPr lang="en-US" sz="2200" kern="1200"/>
+          <a:endParaRPr lang="en-US" sz="2200" kern="1200" dirty="0"/>
         </a:p>
       </dsp:txBody>
       <dsp:txXfrm>
@@ -3433,7 +3432,7 @@
           <a:p>
             <a:fld id="{921DEB97-31E0-489A-9E0D-D26CF0181411}" type="datetimeFigureOut">
               <a:rPr lang="ko-KR" altLang="en-US" smtClean="0"/>
-              <a:t>2020-04-02</a:t>
+              <a:t>2020-04-03</a:t>
             </a:fld>
             <a:endParaRPr lang="ko-KR" altLang="en-US"/>
           </a:p>
@@ -3631,7 +3630,7 @@
           <a:p>
             <a:fld id="{921DEB97-31E0-489A-9E0D-D26CF0181411}" type="datetimeFigureOut">
               <a:rPr lang="ko-KR" altLang="en-US" smtClean="0"/>
-              <a:t>2020-04-02</a:t>
+              <a:t>2020-04-03</a:t>
             </a:fld>
             <a:endParaRPr lang="ko-KR" altLang="en-US"/>
           </a:p>
@@ -3839,7 +3838,7 @@
           <a:p>
             <a:fld id="{921DEB97-31E0-489A-9E0D-D26CF0181411}" type="datetimeFigureOut">
               <a:rPr lang="ko-KR" altLang="en-US" smtClean="0"/>
-              <a:t>2020-04-02</a:t>
+              <a:t>2020-04-03</a:t>
             </a:fld>
             <a:endParaRPr lang="ko-KR" altLang="en-US"/>
           </a:p>
@@ -4037,7 +4036,7 @@
           <a:p>
             <a:fld id="{921DEB97-31E0-489A-9E0D-D26CF0181411}" type="datetimeFigureOut">
               <a:rPr lang="ko-KR" altLang="en-US" smtClean="0"/>
-              <a:t>2020-04-02</a:t>
+              <a:t>2020-04-03</a:t>
             </a:fld>
             <a:endParaRPr lang="ko-KR" altLang="en-US"/>
           </a:p>
@@ -4312,7 +4311,7 @@
           <a:p>
             <a:fld id="{921DEB97-31E0-489A-9E0D-D26CF0181411}" type="datetimeFigureOut">
               <a:rPr lang="ko-KR" altLang="en-US" smtClean="0"/>
-              <a:t>2020-04-02</a:t>
+              <a:t>2020-04-03</a:t>
             </a:fld>
             <a:endParaRPr lang="ko-KR" altLang="en-US"/>
           </a:p>
@@ -4577,7 +4576,7 @@
           <a:p>
             <a:fld id="{921DEB97-31E0-489A-9E0D-D26CF0181411}" type="datetimeFigureOut">
               <a:rPr lang="ko-KR" altLang="en-US" smtClean="0"/>
-              <a:t>2020-04-02</a:t>
+              <a:t>2020-04-03</a:t>
             </a:fld>
             <a:endParaRPr lang="ko-KR" altLang="en-US"/>
           </a:p>
@@ -4989,7 +4988,7 @@
           <a:p>
             <a:fld id="{921DEB97-31E0-489A-9E0D-D26CF0181411}" type="datetimeFigureOut">
               <a:rPr lang="ko-KR" altLang="en-US" smtClean="0"/>
-              <a:t>2020-04-02</a:t>
+              <a:t>2020-04-03</a:t>
             </a:fld>
             <a:endParaRPr lang="ko-KR" altLang="en-US"/>
           </a:p>
@@ -5130,7 +5129,7 @@
           <a:p>
             <a:fld id="{921DEB97-31E0-489A-9E0D-D26CF0181411}" type="datetimeFigureOut">
               <a:rPr lang="ko-KR" altLang="en-US" smtClean="0"/>
-              <a:t>2020-04-02</a:t>
+              <a:t>2020-04-03</a:t>
             </a:fld>
             <a:endParaRPr lang="ko-KR" altLang="en-US"/>
           </a:p>
@@ -5243,7 +5242,7 @@
           <a:p>
             <a:fld id="{921DEB97-31E0-489A-9E0D-D26CF0181411}" type="datetimeFigureOut">
               <a:rPr lang="ko-KR" altLang="en-US" smtClean="0"/>
-              <a:t>2020-04-02</a:t>
+              <a:t>2020-04-03</a:t>
             </a:fld>
             <a:endParaRPr lang="ko-KR" altLang="en-US"/>
           </a:p>
@@ -5554,7 +5553,7 @@
           <a:p>
             <a:fld id="{921DEB97-31E0-489A-9E0D-D26CF0181411}" type="datetimeFigureOut">
               <a:rPr lang="ko-KR" altLang="en-US" smtClean="0"/>
-              <a:t>2020-04-02</a:t>
+              <a:t>2020-04-03</a:t>
             </a:fld>
             <a:endParaRPr lang="ko-KR" altLang="en-US"/>
           </a:p>
@@ -5842,7 +5841,7 @@
           <a:p>
             <a:fld id="{921DEB97-31E0-489A-9E0D-D26CF0181411}" type="datetimeFigureOut">
               <a:rPr lang="ko-KR" altLang="en-US" smtClean="0"/>
-              <a:t>2020-04-02</a:t>
+              <a:t>2020-04-03</a:t>
             </a:fld>
             <a:endParaRPr lang="ko-KR" altLang="en-US"/>
           </a:p>
@@ -6083,7 +6082,7 @@
           <a:p>
             <a:fld id="{921DEB97-31E0-489A-9E0D-D26CF0181411}" type="datetimeFigureOut">
               <a:rPr lang="ko-KR" altLang="en-US" smtClean="0"/>
-              <a:t>2020-04-02</a:t>
+              <a:t>2020-04-03</a:t>
             </a:fld>
             <a:endParaRPr lang="ko-KR" altLang="en-US"/>
           </a:p>
@@ -7226,7 +7225,7 @@
                     <a:p>
                       <a:pPr latinLnBrk="1"/>
                       <a:r>
-                        <a:rPr lang="ko-KR" altLang="en-US" sz="2100"/>
+                        <a:rPr lang="ko-KR" altLang="en-US" sz="2100" dirty="0"/>
                         <a:t>백승훈</a:t>
                       </a:r>
                     </a:p>
@@ -7303,7 +7302,7 @@
                     <a:lstStyle/>
                     <a:p>
                       <a:pPr latinLnBrk="1"/>
-                      <a:endParaRPr lang="ko-KR" altLang="en-US" sz="2100"/>
+                      <a:endParaRPr lang="ko-KR" altLang="en-US" sz="2100" dirty="0"/>
                     </a:p>
                   </a:txBody>
                   <a:tcPr marL="101445" marR="101445" marT="50724" marB="50724"/>
@@ -7372,9 +7371,10 @@
                     <a:p>
                       <a:pPr latinLnBrk="1"/>
                       <a:r>
-                        <a:rPr lang="ko-KR" altLang="en-US" sz="2100"/>
+                        <a:rPr lang="ko-KR" altLang="en-US" sz="2100" dirty="0" err="1"/>
                         <a:t>이동익</a:t>
                       </a:r>
+                      <a:endParaRPr lang="ko-KR" altLang="en-US" sz="2100" dirty="0"/>
                     </a:p>
                   </a:txBody>
                   <a:tcPr marL="101445" marR="101445" marT="50724" marB="50724"/>
@@ -7526,9 +7526,10 @@
                     <a:p>
                       <a:pPr latinLnBrk="1"/>
                       <a:r>
-                        <a:rPr lang="ko-KR" altLang="en-US" sz="2100"/>
+                        <a:rPr lang="ko-KR" altLang="en-US" sz="2100" dirty="0" err="1"/>
                         <a:t>석제노</a:t>
                       </a:r>
+                      <a:endParaRPr lang="ko-KR" altLang="en-US" sz="2100" dirty="0"/>
                     </a:p>
                   </a:txBody>
                   <a:tcPr marL="101445" marR="101445" marT="50724" marB="50724"/>
@@ -7645,9 +7646,10 @@
                     <a:p>
                       <a:pPr latinLnBrk="1"/>
                       <a:r>
-                        <a:rPr lang="ko-KR" altLang="en-US" sz="2100"/>
+                        <a:rPr lang="ko-KR" altLang="en-US" sz="2100" dirty="0" err="1"/>
                         <a:t>황제웅</a:t>
                       </a:r>
+                      <a:endParaRPr lang="ko-KR" altLang="en-US" sz="2100" dirty="0"/>
                     </a:p>
                   </a:txBody>
                   <a:tcPr marL="101445" marR="101445" marT="50724" marB="50724"/>
@@ -8241,7 +8243,7 @@
                 <a:ea typeface="+mj-ea"/>
                 <a:cs typeface="+mj-cs"/>
               </a:rPr>
-              <a:t>투표 및 시상 설명</a:t>
+              <a:t>상품 및 시상 설명</a:t>
             </a:r>
           </a:p>
         </p:txBody>
@@ -8341,7 +8343,7 @@
       </p:grpSpPr>
       <p:sp>
         <p:nvSpPr>
-          <p:cNvPr id="8" name="Rectangle 7">
+          <p:cNvPr id="15" name="Rectangle 14">
             <a:extLst>
               <a:ext uri="{FF2B5EF4-FFF2-40B4-BE49-F238E27FC236}">
                 <a16:creationId xmlns:a16="http://schemas.microsoft.com/office/drawing/2014/main" id="{8D70B121-56F4-4848-B38B-182089D909FA}"/>
@@ -8409,313 +8411,6 @@
           <p:cNvPr id="2" name="제목 1">
             <a:extLst>
               <a:ext uri="{FF2B5EF4-FFF2-40B4-BE49-F238E27FC236}">
-                <a16:creationId xmlns:a16="http://schemas.microsoft.com/office/drawing/2014/main" id="{0CFD755E-4290-4C79-9D61-893077A78C6F}"/>
-              </a:ext>
-            </a:extLst>
-          </p:cNvPr>
-          <p:cNvSpPr>
-            <a:spLocks noGrp="1"/>
-          </p:cNvSpPr>
-          <p:nvPr>
-            <p:ph type="title"/>
-          </p:nvPr>
-        </p:nvSpPr>
-        <p:spPr>
-          <a:xfrm>
-            <a:off x="838200" y="963877"/>
-            <a:ext cx="3494362" cy="4930246"/>
-          </a:xfrm>
-        </p:spPr>
-        <p:txBody>
-          <a:bodyPr>
-            <a:normAutofit/>
-          </a:bodyPr>
-          <a:lstStyle/>
-          <a:p>
-            <a:pPr algn="r"/>
-            <a:r>
-              <a:rPr lang="ko-KR" altLang="en-US" dirty="0">
-                <a:solidFill>
-                  <a:schemeClr val="accent1"/>
-                </a:solidFill>
-              </a:rPr>
-              <a:t>투표 규칙</a:t>
-            </a:r>
-          </a:p>
-        </p:txBody>
-      </p:sp>
-      <p:cxnSp>
-        <p:nvCxnSpPr>
-          <p:cNvPr id="10" name="Straight Connector 9">
-            <a:extLst>
-              <a:ext uri="{FF2B5EF4-FFF2-40B4-BE49-F238E27FC236}">
-                <a16:creationId xmlns:a16="http://schemas.microsoft.com/office/drawing/2014/main" id="{2D72A2C9-F3CA-4216-8BAD-FA4C970C3C4E}"/>
-              </a:ext>
-              <a:ext uri="{C183D7F6-B498-43B3-948B-1728B52AA6E4}">
-                <adec:decorative xmlns:adec="http://schemas.microsoft.com/office/drawing/2017/decorative" val="1"/>
-              </a:ext>
-            </a:extLst>
-          </p:cNvPr>
-          <p:cNvCxnSpPr>
-            <a:cxnSpLocks noGrp="1" noRot="1" noChangeAspect="1" noMove="1" noResize="1" noEditPoints="1" noAdjustHandles="1" noChangeArrowheads="1" noChangeShapeType="1"/>
-          </p:cNvCxnSpPr>
-          <p:nvPr>
-            <p:extLst>
-              <p:ext uri="{386F3935-93C4-4BCD-93E2-E3B085C9AB24}">
-                <p16:designElem xmlns:p16="http://schemas.microsoft.com/office/powerpoint/2015/main" val="1"/>
-              </p:ext>
-            </p:extLst>
-          </p:nvPr>
-        </p:nvCxnSpPr>
-        <p:spPr>
-          <a:xfrm>
-            <a:off x="4654296" y="2057400"/>
-            <a:ext cx="0" cy="2743200"/>
-          </a:xfrm>
-          <a:prstGeom prst="line">
-            <a:avLst/>
-          </a:prstGeom>
-          <a:ln w="19050">
-            <a:solidFill>
-              <a:schemeClr val="tx1">
-                <a:lumMod val="85000"/>
-                <a:lumOff val="15000"/>
-              </a:schemeClr>
-            </a:solidFill>
-          </a:ln>
-        </p:spPr>
-        <p:style>
-          <a:lnRef idx="1">
-            <a:schemeClr val="accent1"/>
-          </a:lnRef>
-          <a:fillRef idx="0">
-            <a:schemeClr val="accent1"/>
-          </a:fillRef>
-          <a:effectRef idx="0">
-            <a:schemeClr val="accent1"/>
-          </a:effectRef>
-          <a:fontRef idx="minor">
-            <a:schemeClr val="tx1"/>
-          </a:fontRef>
-        </p:style>
-      </p:cxnSp>
-      <p:sp>
-        <p:nvSpPr>
-          <p:cNvPr id="3" name="내용 개체 틀 2">
-            <a:extLst>
-              <a:ext uri="{FF2B5EF4-FFF2-40B4-BE49-F238E27FC236}">
-                <a16:creationId xmlns:a16="http://schemas.microsoft.com/office/drawing/2014/main" id="{DD9A7598-42F6-4FCB-9E2E-7EE0CEEF3928}"/>
-              </a:ext>
-            </a:extLst>
-          </p:cNvPr>
-          <p:cNvSpPr>
-            <a:spLocks noGrp="1"/>
-          </p:cNvSpPr>
-          <p:nvPr>
-            <p:ph idx="1"/>
-          </p:nvPr>
-        </p:nvSpPr>
-        <p:spPr>
-          <a:xfrm>
-            <a:off x="4976031" y="963877"/>
-            <a:ext cx="6377769" cy="4930246"/>
-          </a:xfrm>
-        </p:spPr>
-        <p:txBody>
-          <a:bodyPr anchor="ctr">
-            <a:normAutofit/>
-          </a:bodyPr>
-          <a:lstStyle/>
-          <a:p>
-            <a:pPr marL="514350" indent="-514350">
-              <a:buAutoNum type="arabicPeriod"/>
-            </a:pPr>
-            <a:r>
-              <a:rPr lang="ko-KR" altLang="en-US" sz="2400" dirty="0"/>
-              <a:t>발표회에 참석한 모두가 투표한다</a:t>
-            </a:r>
-            <a:endParaRPr lang="en-US" altLang="ko-KR" sz="2400" dirty="0"/>
-          </a:p>
-          <a:p>
-            <a:pPr marL="514350" indent="-514350">
-              <a:buAutoNum type="arabicPeriod"/>
-            </a:pPr>
-            <a:r>
-              <a:rPr lang="en-US" altLang="ko-KR" sz="2400" dirty="0"/>
-              <a:t>1</a:t>
-            </a:r>
-            <a:r>
-              <a:rPr lang="ko-KR" altLang="en-US" sz="2400" dirty="0"/>
-              <a:t>등 팀과 </a:t>
-            </a:r>
-            <a:r>
-              <a:rPr lang="en-US" altLang="ko-KR" sz="2400" dirty="0"/>
-              <a:t>2</a:t>
-            </a:r>
-            <a:r>
-              <a:rPr lang="ko-KR" altLang="en-US" sz="2400" dirty="0"/>
-              <a:t>등 팀을 적어낸다</a:t>
-            </a:r>
-            <a:endParaRPr lang="en-US" altLang="ko-KR" sz="2400" dirty="0"/>
-          </a:p>
-          <a:p>
-            <a:pPr marL="514350" indent="-514350">
-              <a:buAutoNum type="arabicPeriod"/>
-            </a:pPr>
-            <a:r>
-              <a:rPr lang="en-US" altLang="ko-KR" sz="2400" dirty="0"/>
-              <a:t>1</a:t>
-            </a:r>
-            <a:r>
-              <a:rPr lang="ko-KR" altLang="en-US" sz="2400" dirty="0"/>
-              <a:t>등 팀은 </a:t>
-            </a:r>
-            <a:r>
-              <a:rPr lang="en-US" altLang="ko-KR" sz="2400" dirty="0"/>
-              <a:t>3</a:t>
-            </a:r>
-            <a:r>
-              <a:rPr lang="ko-KR" altLang="en-US" sz="2400" dirty="0"/>
-              <a:t>점 </a:t>
-            </a:r>
-            <a:r>
-              <a:rPr lang="en-US" altLang="ko-KR" sz="2400" dirty="0"/>
-              <a:t>2</a:t>
-            </a:r>
-            <a:r>
-              <a:rPr lang="ko-KR" altLang="en-US" sz="2400" dirty="0"/>
-              <a:t>등 팀은 </a:t>
-            </a:r>
-            <a:r>
-              <a:rPr lang="en-US" altLang="ko-KR" sz="2400" dirty="0"/>
-              <a:t>2</a:t>
-            </a:r>
-            <a:r>
-              <a:rPr lang="ko-KR" altLang="en-US" sz="2400" dirty="0"/>
-              <a:t>점을 얻는다</a:t>
-            </a:r>
-            <a:endParaRPr lang="en-US" altLang="ko-KR" sz="2400" dirty="0"/>
-          </a:p>
-          <a:p>
-            <a:pPr marL="514350" indent="-514350">
-              <a:buAutoNum type="arabicPeriod"/>
-            </a:pPr>
-            <a:r>
-              <a:rPr lang="ko-KR" altLang="en-US" sz="2400" dirty="0"/>
-              <a:t>기권은 자유나 한 팀 만을 적어낼 수 없다</a:t>
-            </a:r>
-            <a:endParaRPr lang="en-US" altLang="ko-KR" sz="2400" dirty="0"/>
-          </a:p>
-        </p:txBody>
-      </p:sp>
-    </p:spTree>
-    <p:extLst>
-      <p:ext uri="{BB962C8B-B14F-4D97-AF65-F5344CB8AC3E}">
-        <p14:creationId xmlns:p14="http://schemas.microsoft.com/office/powerpoint/2010/main" val="3806885294"/>
-      </p:ext>
-    </p:extLst>
-  </p:cSld>
-  <p:clrMapOvr>
-    <a:masterClrMapping/>
-  </p:clrMapOvr>
-</p:sld>
-</file>
-
-<file path=ppt/slides/slide14.xml><?xml version="1.0" encoding="utf-8"?>
-<p:sld xmlns:a="http://schemas.openxmlformats.org/drawingml/2006/main" xmlns:r="http://schemas.openxmlformats.org/officeDocument/2006/relationships" xmlns:p="http://schemas.openxmlformats.org/presentationml/2006/main">
-  <p:cSld>
-    <p:bg>
-      <p:bgPr>
-        <a:solidFill>
-          <a:schemeClr val="bg1"/>
-        </a:solidFill>
-        <a:effectLst/>
-      </p:bgPr>
-    </p:bg>
-    <p:spTree>
-      <p:nvGrpSpPr>
-        <p:cNvPr id="1" name=""/>
-        <p:cNvGrpSpPr/>
-        <p:nvPr/>
-      </p:nvGrpSpPr>
-      <p:grpSpPr>
-        <a:xfrm>
-          <a:off x="0" y="0"/>
-          <a:ext cx="0" cy="0"/>
-          <a:chOff x="0" y="0"/>
-          <a:chExt cx="0" cy="0"/>
-        </a:xfrm>
-      </p:grpSpPr>
-      <p:sp>
-        <p:nvSpPr>
-          <p:cNvPr id="15" name="Rectangle 14">
-            <a:extLst>
-              <a:ext uri="{FF2B5EF4-FFF2-40B4-BE49-F238E27FC236}">
-                <a16:creationId xmlns:a16="http://schemas.microsoft.com/office/drawing/2014/main" id="{8D70B121-56F4-4848-B38B-182089D909FA}"/>
-              </a:ext>
-              <a:ext uri="{C183D7F6-B498-43B3-948B-1728B52AA6E4}">
-                <adec:decorative xmlns:adec="http://schemas.microsoft.com/office/drawing/2017/decorative" val="1"/>
-              </a:ext>
-            </a:extLst>
-          </p:cNvPr>
-          <p:cNvSpPr>
-            <a:spLocks noGrp="1" noRot="1" noChangeAspect="1" noMove="1" noResize="1" noEditPoints="1" noAdjustHandles="1" noChangeArrowheads="1" noChangeShapeType="1" noTextEdit="1"/>
-          </p:cNvSpPr>
-          <p:nvPr>
-            <p:extLst>
-              <p:ext uri="{386F3935-93C4-4BCD-93E2-E3B085C9AB24}">
-                <p16:designElem xmlns:p16="http://schemas.microsoft.com/office/powerpoint/2015/main" val="1"/>
-              </p:ext>
-            </p:extLst>
-          </p:nvPr>
-        </p:nvSpPr>
-        <p:spPr bwMode="ltGray">
-          <a:xfrm>
-            <a:off x="321564" y="320040"/>
-            <a:ext cx="11548872" cy="6217920"/>
-          </a:xfrm>
-          <a:prstGeom prst="rect">
-            <a:avLst/>
-          </a:prstGeom>
-          <a:solidFill>
-            <a:schemeClr val="tx1">
-              <a:alpha val="8000"/>
-            </a:schemeClr>
-          </a:solidFill>
-          <a:ln w="127000" cap="sq" cmpd="thinThick">
-            <a:noFill/>
-          </a:ln>
-        </p:spPr>
-        <p:style>
-          <a:lnRef idx="2">
-            <a:schemeClr val="accent1">
-              <a:shade val="50000"/>
-            </a:schemeClr>
-          </a:lnRef>
-          <a:fillRef idx="1">
-            <a:schemeClr val="accent1"/>
-          </a:fillRef>
-          <a:effectRef idx="0">
-            <a:schemeClr val="accent1"/>
-          </a:effectRef>
-          <a:fontRef idx="minor">
-            <a:schemeClr val="lt1"/>
-          </a:fontRef>
-        </p:style>
-        <p:txBody>
-          <a:bodyPr rtlCol="0" anchor="ctr"/>
-          <a:lstStyle/>
-          <a:p>
-            <a:pPr algn="ctr"/>
-            <a:endParaRPr lang="en-US"/>
-          </a:p>
-        </p:txBody>
-      </p:sp>
-      <p:sp>
-        <p:nvSpPr>
-          <p:cNvPr id="2" name="제목 1">
-            <a:extLst>
-              <a:ext uri="{FF2B5EF4-FFF2-40B4-BE49-F238E27FC236}">
                 <a16:creationId xmlns:a16="http://schemas.microsoft.com/office/drawing/2014/main" id="{B84F4EA3-7FB0-4D81-9CC8-6F70AB525700}"/>
               </a:ext>
             </a:extLst>
@@ -8741,7 +8436,7 @@
           <a:p>
             <a:pPr algn="r"/>
             <a:r>
-              <a:rPr lang="ko-KR" altLang="en-US">
+              <a:rPr lang="ko-KR" altLang="en-US" dirty="0">
                 <a:solidFill>
                   <a:schemeClr val="accent1"/>
                 </a:solidFill>
@@ -8861,53 +8556,7 @@
             </a:r>
             <a:r>
               <a:rPr lang="ko-KR" altLang="en-US" sz="2400" dirty="0"/>
-              <a:t>만원 </a:t>
-            </a:r>
-            <a:r>
-              <a:rPr lang="en-US" altLang="ko-KR" sz="2400" dirty="0"/>
-              <a:t>+ </a:t>
-            </a:r>
-            <a:r>
-              <a:rPr lang="ko-KR" altLang="en-US" sz="2400" dirty="0"/>
-              <a:t>씨엔 </a:t>
-            </a:r>
-            <a:r>
-              <a:rPr lang="ko-KR" altLang="en-US" sz="2400" dirty="0" err="1"/>
-              <a:t>뱃지</a:t>
-            </a:r>
-            <a:endParaRPr lang="en-US" altLang="ko-KR" sz="2400" dirty="0"/>
-          </a:p>
-          <a:p>
-            <a:pPr marL="0" indent="0">
-              <a:buNone/>
-            </a:pPr>
-            <a:endParaRPr lang="en-US" altLang="ko-KR" sz="2400" dirty="0"/>
-          </a:p>
-          <a:p>
-            <a:pPr marL="0" indent="0">
-              <a:buNone/>
-            </a:pPr>
-            <a:r>
-              <a:rPr lang="en-US" altLang="ko-KR" sz="2400" dirty="0"/>
-              <a:t>2</a:t>
-            </a:r>
-            <a:r>
-              <a:rPr lang="ko-KR" altLang="en-US" sz="2400" dirty="0"/>
-              <a:t>등 팀</a:t>
-            </a:r>
-            <a:endParaRPr lang="en-US" altLang="ko-KR" sz="2400" dirty="0"/>
-          </a:p>
-          <a:p>
-            <a:pPr marL="0" indent="0">
-              <a:buNone/>
-            </a:pPr>
-            <a:r>
-              <a:rPr lang="ko-KR" altLang="en-US" sz="2400" dirty="0"/>
-              <a:t>씨엔 </a:t>
-            </a:r>
-            <a:r>
-              <a:rPr lang="ko-KR" altLang="en-US" sz="2400" dirty="0" err="1"/>
-              <a:t>뱃지</a:t>
+              <a:t>만원</a:t>
             </a:r>
             <a:endParaRPr lang="en-US" altLang="ko-KR" sz="2400" dirty="0"/>
           </a:p>
@@ -8926,7 +8575,7 @@
 </p:sld>
 </file>
 
-<file path=ppt/slides/slide15.xml><?xml version="1.0" encoding="utf-8"?>
+<file path=ppt/slides/slide14.xml><?xml version="1.0" encoding="utf-8"?>
 <p:sld xmlns:a="http://schemas.openxmlformats.org/drawingml/2006/main" xmlns:r="http://schemas.openxmlformats.org/officeDocument/2006/relationships" xmlns:p="http://schemas.openxmlformats.org/presentationml/2006/main">
   <p:cSld>
     <p:bg>
@@ -9046,7 +8695,7 @@
           <a:p>
             <a:pPr algn="r" latinLnBrk="0"/>
             <a:r>
-              <a:rPr lang="ko-KR" altLang="en-US" sz="5400" kern="1200">
+              <a:rPr lang="ko-KR" altLang="en-US" sz="5400" kern="1200" dirty="0">
                 <a:solidFill>
                   <a:schemeClr val="tx1">
                     <a:lumMod val="85000"/>
@@ -9691,7 +9340,7 @@
             <p:ph idx="1"/>
             <p:extLst>
               <p:ext uri="{D42A27DB-BD31-4B8C-83A1-F6EECF244321}">
-                <p14:modId xmlns:p14="http://schemas.microsoft.com/office/powerpoint/2010/main" val="842836959"/>
+                <p14:modId xmlns:p14="http://schemas.microsoft.com/office/powerpoint/2010/main" val="2668326544"/>
               </p:ext>
             </p:extLst>
           </p:nvPr>
